--- a/12주차-데이터 분석-온라인.pptx
+++ b/12주차-데이터 분석-온라인.pptx
@@ -5,7 +5,7 @@
     <p:sldMasterId id="2147483648" r:id="rId1"/>
   </p:sldMasterIdLst>
   <p:notesMasterIdLst>
-    <p:notesMasterId r:id="rId8"/>
+    <p:notesMasterId r:id="rId13"/>
   </p:notesMasterIdLst>
   <p:sldIdLst>
     <p:sldId id="258" r:id="rId2"/>
@@ -13,7 +13,12 @@
     <p:sldId id="262" r:id="rId4"/>
     <p:sldId id="264" r:id="rId5"/>
     <p:sldId id="266" r:id="rId6"/>
-    <p:sldId id="265" r:id="rId7"/>
+    <p:sldId id="270" r:id="rId7"/>
+    <p:sldId id="271" r:id="rId8"/>
+    <p:sldId id="267" r:id="rId9"/>
+    <p:sldId id="268" r:id="rId10"/>
+    <p:sldId id="269" r:id="rId11"/>
+    <p:sldId id="265" r:id="rId12"/>
   </p:sldIdLst>
   <p:sldSz cx="12192000" cy="6858000"/>
   <p:notesSz cx="6858000" cy="9144000"/>
@@ -3344,7 +3349,7 @@
           <a:p>
             <a:r>
               <a:rPr lang="en-US" altLang="ko-KR" dirty="0" smtClean="0"/>
-              <a:t>(10</a:t>
+              <a:t>(12</a:t>
             </a:r>
             <a:r>
               <a:rPr lang="ko-KR" altLang="en-US" dirty="0" smtClean="0"/>
@@ -3402,6 +3407,371 @@
       </p:par>
     </p:tnLst>
   </p:timing>
+</p:sld>
+</file>
+
+<file path=ppt/slides/slide10.xml><?xml version="1.0" encoding="utf-8"?>
+<p:sld xmlns:a="http://schemas.openxmlformats.org/drawingml/2006/main" xmlns:r="http://schemas.openxmlformats.org/officeDocument/2006/relationships" xmlns:p="http://schemas.openxmlformats.org/presentationml/2006/main">
+  <p:cSld>
+    <p:spTree>
+      <p:nvGrpSpPr>
+        <p:cNvPr id="1" name=""/>
+        <p:cNvGrpSpPr/>
+        <p:nvPr/>
+      </p:nvGrpSpPr>
+      <p:grpSpPr>
+        <a:xfrm>
+          <a:off x="0" y="0"/>
+          <a:ext cx="0" cy="0"/>
+          <a:chOff x="0" y="0"/>
+          <a:chExt cx="0" cy="0"/>
+        </a:xfrm>
+      </p:grpSpPr>
+      <p:sp>
+        <p:nvSpPr>
+          <p:cNvPr id="2" name="제목 1"/>
+          <p:cNvSpPr>
+            <a:spLocks noGrp="1"/>
+          </p:cNvSpPr>
+          <p:nvPr>
+            <p:ph type="title"/>
+          </p:nvPr>
+        </p:nvSpPr>
+        <p:spPr/>
+        <p:txBody>
+          <a:bodyPr/>
+          <a:lstStyle/>
+          <a:p>
+            <a:r>
+              <a:rPr lang="ko-KR" altLang="en-US" dirty="0" err="1"/>
+              <a:t>텀</a:t>
+            </a:r>
+            <a:r>
+              <a:rPr lang="ko-KR" altLang="en-US" dirty="0"/>
+              <a:t> 프로젝트 진행 사항 </a:t>
+            </a:r>
+          </a:p>
+        </p:txBody>
+      </p:sp>
+      <p:sp>
+        <p:nvSpPr>
+          <p:cNvPr id="3" name="내용 개체 틀 2"/>
+          <p:cNvSpPr>
+            <a:spLocks noGrp="1"/>
+          </p:cNvSpPr>
+          <p:nvPr>
+            <p:ph idx="1"/>
+          </p:nvPr>
+        </p:nvSpPr>
+        <p:spPr/>
+        <p:txBody>
+          <a:bodyPr>
+            <a:normAutofit fontScale="92500" lnSpcReduction="10000"/>
+          </a:bodyPr>
+          <a:lstStyle/>
+          <a:p>
+            <a:pPr fontAlgn="base"/>
+            <a:endParaRPr lang="ko-KR" altLang="en-US" dirty="0"/>
+          </a:p>
+          <a:p>
+            <a:pPr fontAlgn="base"/>
+            <a:r>
+              <a:rPr lang="ko-KR" altLang="en-US" dirty="0"/>
+              <a:t>방법 </a:t>
+            </a:r>
+            <a:r>
+              <a:rPr lang="en-US" altLang="ko-KR" dirty="0"/>
+              <a:t>1: </a:t>
+            </a:r>
+            <a:endParaRPr lang="ko-KR" altLang="en-US" dirty="0"/>
+          </a:p>
+          <a:p>
+            <a:pPr lvl="1" fontAlgn="base"/>
+            <a:r>
+              <a:rPr lang="en-US" altLang="ko-KR" dirty="0" smtClean="0"/>
+              <a:t>openweathermap.org</a:t>
+            </a:r>
+            <a:r>
+              <a:rPr lang="ko-KR" altLang="en-US" dirty="0"/>
+              <a:t>에서 </a:t>
+            </a:r>
+            <a:r>
+              <a:rPr lang="en-US" altLang="ko-KR" dirty="0"/>
+              <a:t>2</a:t>
+            </a:r>
+            <a:r>
+              <a:rPr lang="ko-KR" altLang="en-US" dirty="0"/>
+              <a:t>개 지역 이상을 선정하여 날씨 정보를 수집하며</a:t>
+            </a:r>
+            <a:r>
+              <a:rPr lang="en-US" altLang="ko-KR" dirty="0"/>
+              <a:t>, XML </a:t>
+            </a:r>
+            <a:r>
+              <a:rPr lang="ko-KR" altLang="en-US" dirty="0"/>
+              <a:t>또는 </a:t>
+            </a:r>
+            <a:r>
+              <a:rPr lang="en-US" altLang="ko-KR" dirty="0"/>
+              <a:t>JSON </a:t>
+            </a:r>
+            <a:r>
+              <a:rPr lang="ko-KR" altLang="en-US" dirty="0"/>
+              <a:t>형식으로 자료를 요청한다</a:t>
+            </a:r>
+            <a:r>
+              <a:rPr lang="en-US" altLang="ko-KR" dirty="0"/>
+              <a:t>.</a:t>
+            </a:r>
+            <a:endParaRPr lang="ko-KR" altLang="en-US" dirty="0"/>
+          </a:p>
+          <a:p>
+            <a:pPr lvl="1" fontAlgn="base"/>
+            <a:r>
+              <a:rPr lang="ko-KR" altLang="en-US" dirty="0" smtClean="0"/>
+              <a:t>지역 </a:t>
+            </a:r>
+            <a:r>
+              <a:rPr lang="ko-KR" altLang="en-US" dirty="0" err="1"/>
+              <a:t>날씨정보의</a:t>
+            </a:r>
+            <a:r>
+              <a:rPr lang="ko-KR" altLang="en-US" dirty="0"/>
+              <a:t> 속성은 </a:t>
+            </a:r>
+            <a:r>
+              <a:rPr lang="en-US" altLang="ko-KR" dirty="0"/>
+              <a:t>5</a:t>
+            </a:r>
+            <a:r>
+              <a:rPr lang="ko-KR" altLang="en-US" dirty="0"/>
+              <a:t>개를 임의로 선택하여 주기적으로 요청하여 </a:t>
+            </a:r>
+            <a:r>
+              <a:rPr lang="en-US" altLang="ko-KR" dirty="0"/>
+              <a:t>CSV </a:t>
+            </a:r>
+            <a:r>
+              <a:rPr lang="ko-KR" altLang="en-US" dirty="0"/>
+              <a:t>파일로 저장하여 데이터 분석에 사용할 수 있다</a:t>
+            </a:r>
+            <a:r>
+              <a:rPr lang="en-US" altLang="ko-KR" dirty="0"/>
+              <a:t>. (</a:t>
+            </a:r>
+            <a:r>
+              <a:rPr lang="ko-KR" altLang="en-US" dirty="0"/>
+              <a:t>파일의 이름은 지역이름으로 지정함</a:t>
+            </a:r>
+            <a:r>
+              <a:rPr lang="en-US" altLang="ko-KR" dirty="0"/>
+              <a:t>)</a:t>
+            </a:r>
+            <a:endParaRPr lang="ko-KR" altLang="en-US" dirty="0"/>
+          </a:p>
+          <a:p>
+            <a:pPr lvl="1" fontAlgn="base"/>
+            <a:r>
+              <a:rPr lang="ko-KR" altLang="en-US" dirty="0" smtClean="0"/>
+              <a:t>데이터 </a:t>
+            </a:r>
+            <a:r>
+              <a:rPr lang="ko-KR" altLang="en-US" dirty="0"/>
+              <a:t>분석은 </a:t>
+            </a:r>
+            <a:r>
+              <a:rPr lang="en-US" altLang="ko-KR" dirty="0"/>
+              <a:t>pandas</a:t>
+            </a:r>
+            <a:r>
+              <a:rPr lang="ko-KR" altLang="en-US" dirty="0"/>
+              <a:t>를 사용하여 수집된 </a:t>
+            </a:r>
+            <a:r>
+              <a:rPr lang="en-US" altLang="ko-KR" dirty="0"/>
+              <a:t>CSV </a:t>
+            </a:r>
+            <a:r>
+              <a:rPr lang="ko-KR" altLang="en-US" dirty="0"/>
+              <a:t>파일에 대한 자료에 대한 </a:t>
+            </a:r>
+            <a:r>
+              <a:rPr lang="ko-KR" altLang="en-US" dirty="0" err="1"/>
+              <a:t>전처리를</a:t>
+            </a:r>
+            <a:r>
+              <a:rPr lang="ko-KR" altLang="en-US" dirty="0"/>
+              <a:t> 수행한다</a:t>
+            </a:r>
+            <a:r>
+              <a:rPr lang="en-US" altLang="ko-KR" dirty="0"/>
+              <a:t>. </a:t>
+            </a:r>
+            <a:endParaRPr lang="en-US" altLang="ko-KR" dirty="0" smtClean="0"/>
+          </a:p>
+          <a:p>
+            <a:pPr lvl="1" fontAlgn="base"/>
+            <a:r>
+              <a:rPr lang="ko-KR" altLang="en-US" dirty="0" smtClean="0"/>
+              <a:t>데이터 </a:t>
+            </a:r>
+            <a:r>
+              <a:rPr lang="ko-KR" altLang="en-US" dirty="0" err="1"/>
+              <a:t>분석수행은</a:t>
+            </a:r>
+            <a:r>
+              <a:rPr lang="ko-KR" altLang="en-US" dirty="0"/>
+              <a:t> 지역별로 저장된 </a:t>
+            </a:r>
+            <a:r>
+              <a:rPr lang="en-US" altLang="ko-KR" dirty="0"/>
+              <a:t>CSV </a:t>
+            </a:r>
+            <a:r>
+              <a:rPr lang="ko-KR" altLang="en-US" dirty="0"/>
+              <a:t>파일을 결합하여 사용한다</a:t>
+            </a:r>
+            <a:r>
+              <a:rPr lang="en-US" altLang="ko-KR" dirty="0"/>
+              <a:t>. </a:t>
+            </a:r>
+            <a:endParaRPr lang="ko-KR" altLang="en-US" dirty="0"/>
+          </a:p>
+          <a:p>
+            <a:pPr fontAlgn="base"/>
+            <a:r>
+              <a:rPr lang="ko-KR" altLang="en-US" dirty="0"/>
+              <a:t>방법 </a:t>
+            </a:r>
+            <a:r>
+              <a:rPr lang="en-US" altLang="ko-KR" dirty="0"/>
+              <a:t>2: </a:t>
+            </a:r>
+            <a:endParaRPr lang="ko-KR" altLang="en-US" dirty="0"/>
+          </a:p>
+          <a:p>
+            <a:pPr lvl="1" fontAlgn="base"/>
+            <a:r>
+              <a:rPr lang="en-US" altLang="ko-KR" dirty="0" smtClean="0"/>
+              <a:t>Kaggle.com</a:t>
+            </a:r>
+            <a:r>
+              <a:rPr lang="ko-KR" altLang="en-US" dirty="0"/>
+              <a:t>에서 제공되는 </a:t>
+            </a:r>
+            <a:r>
+              <a:rPr lang="en-US" altLang="ko-KR" dirty="0"/>
+              <a:t>CSV </a:t>
+            </a:r>
+            <a:r>
+              <a:rPr lang="ko-KR" altLang="en-US" dirty="0"/>
+              <a:t>파일을 사용하여 분석을 진행함 </a:t>
+            </a:r>
+          </a:p>
+          <a:p>
+            <a:endParaRPr lang="ko-KR" altLang="en-US" dirty="0"/>
+          </a:p>
+        </p:txBody>
+      </p:sp>
+    </p:spTree>
+    <p:extLst>
+      <p:ext uri="{BB962C8B-B14F-4D97-AF65-F5344CB8AC3E}">
+        <p14:creationId xmlns:p14="http://schemas.microsoft.com/office/powerpoint/2010/main" val="4074202394"/>
+      </p:ext>
+    </p:extLst>
+  </p:cSld>
+  <p:clrMapOvr>
+    <a:masterClrMapping/>
+  </p:clrMapOvr>
+</p:sld>
+</file>
+
+<file path=ppt/slides/slide11.xml><?xml version="1.0" encoding="utf-8"?>
+<p:sld xmlns:a="http://schemas.openxmlformats.org/drawingml/2006/main" xmlns:r="http://schemas.openxmlformats.org/officeDocument/2006/relationships" xmlns:p="http://schemas.openxmlformats.org/presentationml/2006/main">
+  <p:cSld>
+    <p:spTree>
+      <p:nvGrpSpPr>
+        <p:cNvPr id="1" name=""/>
+        <p:cNvGrpSpPr/>
+        <p:nvPr/>
+      </p:nvGrpSpPr>
+      <p:grpSpPr>
+        <a:xfrm>
+          <a:off x="0" y="0"/>
+          <a:ext cx="0" cy="0"/>
+          <a:chOff x="0" y="0"/>
+          <a:chExt cx="0" cy="0"/>
+        </a:xfrm>
+      </p:grpSpPr>
+      <p:sp>
+        <p:nvSpPr>
+          <p:cNvPr id="2" name="제목 1"/>
+          <p:cNvSpPr>
+            <a:spLocks noGrp="1"/>
+          </p:cNvSpPr>
+          <p:nvPr>
+            <p:ph type="title"/>
+          </p:nvPr>
+        </p:nvSpPr>
+        <p:spPr/>
+        <p:txBody>
+          <a:bodyPr/>
+          <a:lstStyle/>
+          <a:p>
+            <a:r>
+              <a:rPr lang="en-US" altLang="ko-KR" dirty="0" smtClean="0"/>
+              <a:t>12</a:t>
+            </a:r>
+            <a:r>
+              <a:rPr lang="ko-KR" altLang="en-US" dirty="0" smtClean="0"/>
+              <a:t>주차 </a:t>
+            </a:r>
+            <a:r>
+              <a:rPr lang="en-US" altLang="ko-KR" dirty="0" smtClean="0"/>
+              <a:t>pandas </a:t>
+            </a:r>
+            <a:r>
+              <a:rPr lang="ko-KR" altLang="en-US" dirty="0" smtClean="0"/>
+              <a:t>실습</a:t>
+            </a:r>
+            <a:endParaRPr lang="ko-KR" altLang="en-US" dirty="0"/>
+          </a:p>
+        </p:txBody>
+      </p:sp>
+      <p:pic>
+        <p:nvPicPr>
+          <p:cNvPr id="4" name="그림 3"/>
+          <p:cNvPicPr>
+            <a:picLocks noChangeAspect="1"/>
+          </p:cNvPicPr>
+          <p:nvPr/>
+        </p:nvPicPr>
+        <p:blipFill>
+          <a:blip r:embed="rId2"/>
+          <a:stretch>
+            <a:fillRect/>
+          </a:stretch>
+        </p:blipFill>
+        <p:spPr>
+          <a:xfrm>
+            <a:off x="1037099" y="1871490"/>
+            <a:ext cx="6410325" cy="4986510"/>
+          </a:xfrm>
+          <a:prstGeom prst="rect">
+            <a:avLst/>
+          </a:prstGeom>
+        </p:spPr>
+      </p:pic>
+    </p:spTree>
+    <p:extLst>
+      <p:ext uri="{BB962C8B-B14F-4D97-AF65-F5344CB8AC3E}">
+        <p14:creationId xmlns:p14="http://schemas.microsoft.com/office/powerpoint/2010/main" val="3642099041"/>
+      </p:ext>
+    </p:extLst>
+  </p:cSld>
+  <p:clrMapOvr>
+    <a:masterClrMapping/>
+  </p:clrMapOvr>
 </p:sld>
 </file>
 
@@ -3760,12 +4130,12 @@
           <a:lstStyle/>
           <a:p>
             <a:r>
+              <a:rPr lang="en-US" altLang="ko-KR" dirty="0" smtClean="0"/>
+              <a:t>Pandas  </a:t>
+            </a:r>
+            <a:r>
               <a:rPr lang="ko-KR" altLang="en-US" dirty="0" err="1" smtClean="0"/>
-              <a:t>텀프로젝트</a:t>
-            </a:r>
-            <a:r>
-              <a:rPr lang="ko-KR" altLang="en-US" dirty="0" smtClean="0"/>
-              <a:t> 진행 사항 </a:t>
+              <a:t>사용과제</a:t>
             </a:r>
             <a:endParaRPr lang="ko-KR" altLang="en-US" dirty="0"/>
           </a:p>
@@ -3874,7 +4244,7 @@
         </p:blipFill>
         <p:spPr>
           <a:xfrm>
-            <a:off x="899074" y="2083204"/>
+            <a:off x="838200" y="1886946"/>
             <a:ext cx="9363075" cy="3905250"/>
           </a:xfrm>
           <a:prstGeom prst="rect">
@@ -3980,22 +4350,191 @@
           <a:lstStyle/>
           <a:p>
             <a:r>
-              <a:rPr lang="en-US" altLang="ko-KR" dirty="0" smtClean="0"/>
-              <a:t>12</a:t>
-            </a:r>
-            <a:r>
-              <a:rPr lang="ko-KR" altLang="en-US" dirty="0" smtClean="0"/>
-              <a:t>주차 </a:t>
-            </a:r>
-            <a:r>
-              <a:rPr lang="en-US" altLang="ko-KR" dirty="0" smtClean="0"/>
-              <a:t>pandas </a:t>
-            </a:r>
-            <a:r>
-              <a:rPr lang="ko-KR" altLang="en-US" dirty="0" smtClean="0"/>
-              <a:t>실습</a:t>
-            </a:r>
-            <a:endParaRPr lang="ko-KR" altLang="en-US" dirty="0"/>
+              <a:rPr lang="ko-KR" altLang="en-US" dirty="0" err="1"/>
+              <a:t>텀프로젝트</a:t>
+            </a:r>
+            <a:r>
+              <a:rPr lang="ko-KR" altLang="en-US" dirty="0"/>
+              <a:t> 진행 사항 </a:t>
+            </a:r>
+          </a:p>
+        </p:txBody>
+      </p:sp>
+      <p:pic>
+        <p:nvPicPr>
+          <p:cNvPr id="5" name="내용 개체 틀 4"/>
+          <p:cNvPicPr>
+            <a:picLocks noGrp="1" noChangeAspect="1"/>
+          </p:cNvPicPr>
+          <p:nvPr>
+            <p:ph idx="1"/>
+          </p:nvPr>
+        </p:nvPicPr>
+        <p:blipFill>
+          <a:blip r:embed="rId2"/>
+          <a:stretch>
+            <a:fillRect/>
+          </a:stretch>
+        </p:blipFill>
+        <p:spPr>
+          <a:xfrm>
+            <a:off x="468235" y="3309633"/>
+            <a:ext cx="5813367" cy="1062658"/>
+          </a:xfrm>
+          <a:prstGeom prst="rect">
+            <a:avLst/>
+          </a:prstGeom>
+        </p:spPr>
+      </p:pic>
+      <p:pic>
+        <p:nvPicPr>
+          <p:cNvPr id="4" name="그림 3"/>
+          <p:cNvPicPr>
+            <a:picLocks noChangeAspect="1"/>
+          </p:cNvPicPr>
+          <p:nvPr/>
+        </p:nvPicPr>
+        <p:blipFill>
+          <a:blip r:embed="rId3"/>
+          <a:stretch>
+            <a:fillRect/>
+          </a:stretch>
+        </p:blipFill>
+        <p:spPr>
+          <a:xfrm>
+            <a:off x="586047" y="1967739"/>
+            <a:ext cx="5577744" cy="1149668"/>
+          </a:xfrm>
+          <a:prstGeom prst="rect">
+            <a:avLst/>
+          </a:prstGeom>
+        </p:spPr>
+      </p:pic>
+      <p:pic>
+        <p:nvPicPr>
+          <p:cNvPr id="6" name="그림 5"/>
+          <p:cNvPicPr>
+            <a:picLocks noChangeAspect="1"/>
+          </p:cNvPicPr>
+          <p:nvPr/>
+        </p:nvPicPr>
+        <p:blipFill>
+          <a:blip r:embed="rId4"/>
+          <a:stretch>
+            <a:fillRect/>
+          </a:stretch>
+        </p:blipFill>
+        <p:spPr>
+          <a:xfrm>
+            <a:off x="6745682" y="255247"/>
+            <a:ext cx="5179285" cy="1545318"/>
+          </a:xfrm>
+          <a:prstGeom prst="rect">
+            <a:avLst/>
+          </a:prstGeom>
+        </p:spPr>
+      </p:pic>
+      <p:pic>
+        <p:nvPicPr>
+          <p:cNvPr id="7" name="그림 6"/>
+          <p:cNvPicPr>
+            <a:picLocks noChangeAspect="1"/>
+          </p:cNvPicPr>
+          <p:nvPr/>
+        </p:nvPicPr>
+        <p:blipFill>
+          <a:blip r:embed="rId5"/>
+          <a:stretch>
+            <a:fillRect/>
+          </a:stretch>
+        </p:blipFill>
+        <p:spPr>
+          <a:xfrm>
+            <a:off x="7006177" y="2050214"/>
+            <a:ext cx="4918790" cy="1894241"/>
+          </a:xfrm>
+          <a:prstGeom prst="rect">
+            <a:avLst/>
+          </a:prstGeom>
+        </p:spPr>
+      </p:pic>
+      <p:pic>
+        <p:nvPicPr>
+          <p:cNvPr id="8" name="그림 7"/>
+          <p:cNvPicPr>
+            <a:picLocks noChangeAspect="1"/>
+          </p:cNvPicPr>
+          <p:nvPr/>
+        </p:nvPicPr>
+        <p:blipFill>
+          <a:blip r:embed="rId6"/>
+          <a:stretch>
+            <a:fillRect/>
+          </a:stretch>
+        </p:blipFill>
+        <p:spPr>
+          <a:xfrm>
+            <a:off x="4424277" y="4797274"/>
+            <a:ext cx="7067550" cy="1762125"/>
+          </a:xfrm>
+          <a:prstGeom prst="rect">
+            <a:avLst/>
+          </a:prstGeom>
+        </p:spPr>
+      </p:pic>
+    </p:spTree>
+    <p:extLst>
+      <p:ext uri="{BB962C8B-B14F-4D97-AF65-F5344CB8AC3E}">
+        <p14:creationId xmlns:p14="http://schemas.microsoft.com/office/powerpoint/2010/main" val="3727768274"/>
+      </p:ext>
+    </p:extLst>
+  </p:cSld>
+  <p:clrMapOvr>
+    <a:masterClrMapping/>
+  </p:clrMapOvr>
+</p:sld>
+</file>
+
+<file path=ppt/slides/slide7.xml><?xml version="1.0" encoding="utf-8"?>
+<p:sld xmlns:a="http://schemas.openxmlformats.org/drawingml/2006/main" xmlns:r="http://schemas.openxmlformats.org/officeDocument/2006/relationships" xmlns:p="http://schemas.openxmlformats.org/presentationml/2006/main">
+  <p:cSld>
+    <p:spTree>
+      <p:nvGrpSpPr>
+        <p:cNvPr id="1" name=""/>
+        <p:cNvGrpSpPr/>
+        <p:nvPr/>
+      </p:nvGrpSpPr>
+      <p:grpSpPr>
+        <a:xfrm>
+          <a:off x="0" y="0"/>
+          <a:ext cx="0" cy="0"/>
+          <a:chOff x="0" y="0"/>
+          <a:chExt cx="0" cy="0"/>
+        </a:xfrm>
+      </p:grpSpPr>
+      <p:sp>
+        <p:nvSpPr>
+          <p:cNvPr id="2" name="제목 1"/>
+          <p:cNvSpPr>
+            <a:spLocks noGrp="1"/>
+          </p:cNvSpPr>
+          <p:nvPr>
+            <p:ph type="title"/>
+          </p:nvPr>
+        </p:nvSpPr>
+        <p:spPr/>
+        <p:txBody>
+          <a:bodyPr/>
+          <a:lstStyle/>
+          <a:p>
+            <a:r>
+              <a:rPr lang="ko-KR" altLang="en-US" dirty="0" err="1"/>
+              <a:t>텀프로젝트</a:t>
+            </a:r>
+            <a:r>
+              <a:rPr lang="ko-KR" altLang="en-US" dirty="0"/>
+              <a:t> 진행 사항 </a:t>
+            </a:r>
           </a:p>
         </p:txBody>
       </p:sp>
@@ -4015,8 +4554,32 @@
         </p:blipFill>
         <p:spPr>
           <a:xfrm>
-            <a:off x="1037099" y="1871490"/>
-            <a:ext cx="6410325" cy="4986510"/>
+            <a:off x="838200" y="1690688"/>
+            <a:ext cx="5808692" cy="1910136"/>
+          </a:xfrm>
+          <a:prstGeom prst="rect">
+            <a:avLst/>
+          </a:prstGeom>
+        </p:spPr>
+      </p:pic>
+      <p:pic>
+        <p:nvPicPr>
+          <p:cNvPr id="5" name="그림 4"/>
+          <p:cNvPicPr>
+            <a:picLocks noChangeAspect="1"/>
+          </p:cNvPicPr>
+          <p:nvPr/>
+        </p:nvPicPr>
+        <p:blipFill>
+          <a:blip r:embed="rId3"/>
+          <a:stretch>
+            <a:fillRect/>
+          </a:stretch>
+        </p:blipFill>
+        <p:spPr>
+          <a:xfrm>
+            <a:off x="3609715" y="4001294"/>
+            <a:ext cx="7000875" cy="1704975"/>
           </a:xfrm>
           <a:prstGeom prst="rect">
             <a:avLst/>
@@ -4026,7 +4589,435 @@
     </p:spTree>
     <p:extLst>
       <p:ext uri="{BB962C8B-B14F-4D97-AF65-F5344CB8AC3E}">
-        <p14:creationId xmlns:p14="http://schemas.microsoft.com/office/powerpoint/2010/main" val="3642099041"/>
+        <p14:creationId xmlns:p14="http://schemas.microsoft.com/office/powerpoint/2010/main" val="2901004390"/>
+      </p:ext>
+    </p:extLst>
+  </p:cSld>
+  <p:clrMapOvr>
+    <a:masterClrMapping/>
+  </p:clrMapOvr>
+</p:sld>
+</file>
+
+<file path=ppt/slides/slide8.xml><?xml version="1.0" encoding="utf-8"?>
+<p:sld xmlns:a="http://schemas.openxmlformats.org/drawingml/2006/main" xmlns:r="http://schemas.openxmlformats.org/officeDocument/2006/relationships" xmlns:p="http://schemas.openxmlformats.org/presentationml/2006/main">
+  <p:cSld>
+    <p:spTree>
+      <p:nvGrpSpPr>
+        <p:cNvPr id="1" name=""/>
+        <p:cNvGrpSpPr/>
+        <p:nvPr/>
+      </p:nvGrpSpPr>
+      <p:grpSpPr>
+        <a:xfrm>
+          <a:off x="0" y="0"/>
+          <a:ext cx="0" cy="0"/>
+          <a:chOff x="0" y="0"/>
+          <a:chExt cx="0" cy="0"/>
+        </a:xfrm>
+      </p:grpSpPr>
+      <p:sp>
+        <p:nvSpPr>
+          <p:cNvPr id="2" name="제목 1"/>
+          <p:cNvSpPr>
+            <a:spLocks noGrp="1"/>
+          </p:cNvSpPr>
+          <p:nvPr>
+            <p:ph type="title"/>
+          </p:nvPr>
+        </p:nvSpPr>
+        <p:spPr/>
+        <p:txBody>
+          <a:bodyPr/>
+          <a:lstStyle/>
+          <a:p>
+            <a:r>
+              <a:rPr lang="ko-KR" altLang="en-US" dirty="0" err="1" smtClean="0"/>
+              <a:t>텀</a:t>
+            </a:r>
+            <a:r>
+              <a:rPr lang="ko-KR" altLang="en-US" dirty="0" smtClean="0"/>
+              <a:t> 프로젝트 </a:t>
+            </a:r>
+            <a:r>
+              <a:rPr lang="ko-KR" altLang="en-US" dirty="0"/>
+              <a:t>진행 사항 </a:t>
+            </a:r>
+          </a:p>
+        </p:txBody>
+      </p:sp>
+      <p:sp>
+        <p:nvSpPr>
+          <p:cNvPr id="3" name="내용 개체 틀 2"/>
+          <p:cNvSpPr>
+            <a:spLocks noGrp="1"/>
+          </p:cNvSpPr>
+          <p:nvPr>
+            <p:ph idx="1"/>
+          </p:nvPr>
+        </p:nvSpPr>
+        <p:spPr/>
+        <p:txBody>
+          <a:bodyPr/>
+          <a:lstStyle/>
+          <a:p>
+            <a:pPr fontAlgn="base"/>
+            <a:r>
+              <a:rPr lang="en-US" altLang="ko-KR" dirty="0" smtClean="0"/>
+              <a:t>(</a:t>
+            </a:r>
+            <a:r>
+              <a:rPr lang="ko-KR" altLang="en-US" dirty="0" err="1" smtClean="0"/>
+              <a:t>제출내용</a:t>
+            </a:r>
+            <a:r>
+              <a:rPr lang="en-US" altLang="ko-KR" dirty="0"/>
+              <a:t>) </a:t>
+            </a:r>
+            <a:r>
+              <a:rPr lang="ko-KR" altLang="en-US" dirty="0"/>
+              <a:t>중간보고서 </a:t>
+            </a:r>
+          </a:p>
+          <a:p>
+            <a:pPr lvl="1" fontAlgn="base"/>
+            <a:r>
+              <a:rPr lang="ko-KR" altLang="en-US" dirty="0" smtClean="0"/>
+              <a:t>원본데이터로 </a:t>
+            </a:r>
+            <a:r>
+              <a:rPr lang="en-US" altLang="ko-KR" dirty="0"/>
+              <a:t>CSV </a:t>
+            </a:r>
+            <a:r>
+              <a:rPr lang="ko-KR" altLang="en-US" dirty="0"/>
+              <a:t>를 사용하는 학생은 해당 원본데이터를 가공하여 분석을 수행하는 형식을 구성하는 부분을 중간 보고서에 제출하여야 함</a:t>
+            </a:r>
+          </a:p>
+          <a:p>
+            <a:pPr lvl="1" fontAlgn="base"/>
+            <a:r>
+              <a:rPr lang="ko-KR" altLang="en-US" dirty="0" smtClean="0"/>
+              <a:t>현재 </a:t>
+            </a:r>
+            <a:r>
+              <a:rPr lang="ko-KR" altLang="en-US" dirty="0" smtClean="0">
+                <a:solidFill>
+                  <a:schemeClr val="accent1">
+                    <a:lumMod val="75000"/>
+                  </a:schemeClr>
+                </a:solidFill>
+              </a:rPr>
+              <a:t>수집한 </a:t>
+            </a:r>
+            <a:r>
+              <a:rPr lang="en-US" altLang="ko-KR" dirty="0">
+                <a:solidFill>
+                  <a:schemeClr val="accent1">
+                    <a:lumMod val="75000"/>
+                  </a:schemeClr>
+                </a:solidFill>
+              </a:rPr>
+              <a:t>CSV </a:t>
+            </a:r>
+            <a:r>
+              <a:rPr lang="ko-KR" altLang="en-US" dirty="0">
+                <a:solidFill>
+                  <a:schemeClr val="accent1">
+                    <a:lumMod val="75000"/>
+                  </a:schemeClr>
+                </a:solidFill>
+              </a:rPr>
+              <a:t>파일을 정리하여 </a:t>
+            </a:r>
+            <a:r>
+              <a:rPr lang="ko-KR" altLang="en-US" dirty="0"/>
+              <a:t>프로젝트 목적에 필요한 </a:t>
+            </a:r>
+            <a:r>
+              <a:rPr lang="ko-KR" altLang="en-US" dirty="0" smtClean="0">
+                <a:solidFill>
+                  <a:schemeClr val="accent1">
+                    <a:lumMod val="75000"/>
+                  </a:schemeClr>
+                </a:solidFill>
+              </a:rPr>
+              <a:t>분석을 위한  </a:t>
+            </a:r>
+            <a:r>
+              <a:rPr lang="en-US" altLang="ko-KR" dirty="0">
+                <a:solidFill>
+                  <a:schemeClr val="accent1">
+                    <a:lumMod val="75000"/>
+                  </a:schemeClr>
+                </a:solidFill>
+              </a:rPr>
+              <a:t>CSV </a:t>
+            </a:r>
+            <a:r>
+              <a:rPr lang="ko-KR" altLang="en-US" dirty="0">
+                <a:solidFill>
+                  <a:schemeClr val="accent1">
+                    <a:lumMod val="75000"/>
+                  </a:schemeClr>
+                </a:solidFill>
+              </a:rPr>
+              <a:t>파일</a:t>
+            </a:r>
+            <a:r>
+              <a:rPr lang="ko-KR" altLang="en-US" dirty="0"/>
+              <a:t>을 구성하는 것을 중간 보고서에 내용으로 작성함</a:t>
+            </a:r>
+          </a:p>
+          <a:p>
+            <a:endParaRPr lang="ko-KR" altLang="en-US" dirty="0"/>
+          </a:p>
+        </p:txBody>
+      </p:sp>
+    </p:spTree>
+    <p:extLst>
+      <p:ext uri="{BB962C8B-B14F-4D97-AF65-F5344CB8AC3E}">
+        <p14:creationId xmlns:p14="http://schemas.microsoft.com/office/powerpoint/2010/main" val="3626399932"/>
+      </p:ext>
+    </p:extLst>
+  </p:cSld>
+  <p:clrMapOvr>
+    <a:masterClrMapping/>
+  </p:clrMapOvr>
+</p:sld>
+</file>
+
+<file path=ppt/slides/slide9.xml><?xml version="1.0" encoding="utf-8"?>
+<p:sld xmlns:a="http://schemas.openxmlformats.org/drawingml/2006/main" xmlns:r="http://schemas.openxmlformats.org/officeDocument/2006/relationships" xmlns:p="http://schemas.openxmlformats.org/presentationml/2006/main">
+  <p:cSld>
+    <p:spTree>
+      <p:nvGrpSpPr>
+        <p:cNvPr id="1" name=""/>
+        <p:cNvGrpSpPr/>
+        <p:nvPr/>
+      </p:nvGrpSpPr>
+      <p:grpSpPr>
+        <a:xfrm>
+          <a:off x="0" y="0"/>
+          <a:ext cx="0" cy="0"/>
+          <a:chOff x="0" y="0"/>
+          <a:chExt cx="0" cy="0"/>
+        </a:xfrm>
+      </p:grpSpPr>
+      <p:sp>
+        <p:nvSpPr>
+          <p:cNvPr id="2" name="제목 1"/>
+          <p:cNvSpPr>
+            <a:spLocks noGrp="1"/>
+          </p:cNvSpPr>
+          <p:nvPr>
+            <p:ph type="title"/>
+          </p:nvPr>
+        </p:nvSpPr>
+        <p:spPr/>
+        <p:txBody>
+          <a:bodyPr/>
+          <a:lstStyle/>
+          <a:p>
+            <a:r>
+              <a:rPr lang="ko-KR" altLang="en-US" dirty="0" err="1"/>
+              <a:t>텀</a:t>
+            </a:r>
+            <a:r>
+              <a:rPr lang="ko-KR" altLang="en-US" dirty="0"/>
+              <a:t> 프로젝트 진행 사항 </a:t>
+            </a:r>
+          </a:p>
+        </p:txBody>
+      </p:sp>
+      <p:sp>
+        <p:nvSpPr>
+          <p:cNvPr id="3" name="내용 개체 틀 2"/>
+          <p:cNvSpPr>
+            <a:spLocks noGrp="1"/>
+          </p:cNvSpPr>
+          <p:nvPr>
+            <p:ph idx="1"/>
+          </p:nvPr>
+        </p:nvSpPr>
+        <p:spPr/>
+        <p:txBody>
+          <a:bodyPr/>
+          <a:lstStyle/>
+          <a:p>
+            <a:pPr fontAlgn="base"/>
+            <a:r>
+              <a:rPr lang="en-US" altLang="ko-KR" dirty="0"/>
+              <a:t>(</a:t>
+            </a:r>
+            <a:r>
+              <a:rPr lang="ko-KR" altLang="en-US" dirty="0"/>
+              <a:t>오픈</a:t>
+            </a:r>
+            <a:r>
+              <a:rPr lang="en-US" altLang="ko-KR" dirty="0"/>
+              <a:t>API </a:t>
+            </a:r>
+            <a:r>
+              <a:rPr lang="ko-KR" altLang="en-US" dirty="0" err="1"/>
+              <a:t>오류시</a:t>
+            </a:r>
+            <a:r>
+              <a:rPr lang="en-US" altLang="ko-KR" dirty="0"/>
+              <a:t>) </a:t>
+            </a:r>
+            <a:r>
+              <a:rPr lang="ko-KR" altLang="en-US" dirty="0" err="1"/>
+              <a:t>텀프로젝트</a:t>
+            </a:r>
+            <a:r>
+              <a:rPr lang="ko-KR" altLang="en-US" dirty="0"/>
+              <a:t> 진행</a:t>
+            </a:r>
+          </a:p>
+          <a:p>
+            <a:pPr lvl="1" fontAlgn="base"/>
+            <a:r>
+              <a:rPr lang="ko-KR" altLang="en-US" dirty="0" err="1" smtClean="0"/>
+              <a:t>텀프로젝트</a:t>
+            </a:r>
+            <a:r>
+              <a:rPr lang="ko-KR" altLang="en-US" dirty="0" smtClean="0"/>
+              <a:t> </a:t>
+            </a:r>
+            <a:r>
+              <a:rPr lang="ko-KR" altLang="en-US" dirty="0"/>
+              <a:t>진행 장애에 대한 내용을 제시하여야 함 </a:t>
+            </a:r>
+          </a:p>
+          <a:p>
+            <a:pPr lvl="1" fontAlgn="base"/>
+            <a:r>
+              <a:rPr lang="ko-KR" altLang="en-US" dirty="0" smtClean="0"/>
+              <a:t>오픈 </a:t>
+            </a:r>
+            <a:r>
+              <a:rPr lang="en-US" altLang="ko-KR" dirty="0"/>
+              <a:t>API </a:t>
+            </a:r>
+            <a:r>
+              <a:rPr lang="ko-KR" altLang="en-US" dirty="0"/>
+              <a:t>키 </a:t>
+            </a:r>
+            <a:r>
+              <a:rPr lang="ko-KR" altLang="en-US" dirty="0" err="1"/>
+              <a:t>발행후</a:t>
+            </a:r>
+            <a:r>
+              <a:rPr lang="ko-KR" altLang="en-US" dirty="0"/>
+              <a:t> 받은 내용 첨부 </a:t>
+            </a:r>
+          </a:p>
+          <a:p>
+            <a:pPr lvl="1" fontAlgn="base"/>
+            <a:r>
+              <a:rPr lang="ko-KR" altLang="en-US" dirty="0" smtClean="0"/>
+              <a:t>활용하고자 </a:t>
+            </a:r>
+            <a:r>
+              <a:rPr lang="ko-KR" altLang="en-US" dirty="0"/>
+              <a:t>하는 오픈 </a:t>
+            </a:r>
+            <a:r>
+              <a:rPr lang="en-US" altLang="ko-KR" dirty="0"/>
+              <a:t>API </a:t>
+            </a:r>
+            <a:r>
+              <a:rPr lang="ko-KR" altLang="en-US" dirty="0"/>
+              <a:t>의 서비스 종료에 대한 내용 첨부 </a:t>
+            </a:r>
+          </a:p>
+          <a:p>
+            <a:pPr lvl="1" fontAlgn="base"/>
+            <a:r>
+              <a:rPr lang="ko-KR" altLang="en-US" dirty="0" smtClean="0"/>
+              <a:t>서비스 </a:t>
+            </a:r>
+            <a:r>
+              <a:rPr lang="ko-KR" altLang="en-US" dirty="0"/>
+              <a:t>운용 정책 변경에 따른 장애발생 내용 첨부 </a:t>
+            </a:r>
+          </a:p>
+          <a:p>
+            <a:pPr lvl="2" fontAlgn="base"/>
+            <a:r>
+              <a:rPr lang="en-US" altLang="ko-KR" dirty="0"/>
+              <a:t>(</a:t>
+            </a:r>
+            <a:r>
+              <a:rPr lang="ko-KR" altLang="en-US" dirty="0"/>
+              <a:t>담당 </a:t>
+            </a:r>
+            <a:r>
+              <a:rPr lang="ko-KR" altLang="en-US" dirty="0" err="1"/>
+              <a:t>공공개방</a:t>
+            </a:r>
+            <a:r>
+              <a:rPr lang="ko-KR" altLang="en-US" dirty="0"/>
+              <a:t> </a:t>
+            </a:r>
+            <a:r>
+              <a:rPr lang="en-US" altLang="ko-KR" dirty="0"/>
+              <a:t>API </a:t>
+            </a:r>
+            <a:r>
+              <a:rPr lang="ko-KR" altLang="en-US" dirty="0"/>
+              <a:t>담당자로 부터의 메일 응답 또는 다른 사용자의 유사 문제 제시 내용</a:t>
+            </a:r>
+            <a:r>
+              <a:rPr lang="en-US" altLang="ko-KR" dirty="0"/>
+              <a:t>) </a:t>
+            </a:r>
+            <a:endParaRPr lang="ko-KR" altLang="en-US" dirty="0"/>
+          </a:p>
+          <a:p>
+            <a:r>
+              <a:rPr lang="en-US" altLang="ko-KR" dirty="0" smtClean="0"/>
+              <a:t> JSON </a:t>
+            </a:r>
+            <a:r>
+              <a:rPr lang="ko-KR" altLang="en-US" dirty="0"/>
+              <a:t>또는 </a:t>
+            </a:r>
+            <a:r>
+              <a:rPr lang="en-US" altLang="ko-KR" dirty="0"/>
+              <a:t>XML </a:t>
+            </a:r>
+            <a:r>
+              <a:rPr lang="ko-KR" altLang="en-US" dirty="0"/>
+              <a:t>데이터 </a:t>
+            </a:r>
+            <a:r>
+              <a:rPr lang="ko-KR" altLang="en-US" dirty="0" err="1"/>
+              <a:t>요청후</a:t>
+            </a:r>
+            <a:r>
+              <a:rPr lang="ko-KR" altLang="en-US" dirty="0"/>
+              <a:t> 응답을 얻지 못한 학생을 위해 별도의 데이터 셋 </a:t>
+            </a:r>
+            <a:r>
+              <a:rPr lang="en-US" altLang="ko-KR" dirty="0"/>
+              <a:t>CSV </a:t>
+            </a:r>
+            <a:r>
+              <a:rPr lang="ko-KR" altLang="en-US" dirty="0"/>
+              <a:t>형식 활용</a:t>
+            </a:r>
+          </a:p>
+          <a:p>
+            <a:endParaRPr lang="ko-KR" altLang="en-US" dirty="0"/>
+          </a:p>
+        </p:txBody>
+      </p:sp>
+    </p:spTree>
+    <p:extLst>
+      <p:ext uri="{BB962C8B-B14F-4D97-AF65-F5344CB8AC3E}">
+        <p14:creationId xmlns:p14="http://schemas.microsoft.com/office/powerpoint/2010/main" val="453122717"/>
       </p:ext>
     </p:extLst>
   </p:cSld>
